--- a/Future Floating mission slides.pptx
+++ b/Future Floating mission slides.pptx
@@ -1374,7 +1374,7 @@
           <p:cNvPr id="7" name="Picture 6" descr="E:\websites\free-power-point-templates\2012\logos.png">
             <a:extLst>
               <a:ext uri="{FF2B5EF4-FFF2-40B4-BE49-F238E27FC236}">
-                <a16:creationId xmlns="" xmlns:a16="http://schemas.microsoft.com/office/drawing/2014/main" id="{08B89D22-1D6E-450B-881F-4D2A4C527F72}"/>
+                <a16:creationId xmlns:a16="http://schemas.microsoft.com/office/drawing/2014/main" xmlns="" id="{08B89D22-1D6E-450B-881F-4D2A4C527F72}"/>
               </a:ext>
             </a:extLst>
           </p:cNvPr>
@@ -3675,7 +3675,7 @@
           <p:cNvPr id="7" name="TextBox 6">
             <a:extLst>
               <a:ext uri="{FF2B5EF4-FFF2-40B4-BE49-F238E27FC236}">
-                <a16:creationId xmlns="" xmlns:a16="http://schemas.microsoft.com/office/drawing/2014/main" id="{11E867DF-3DCA-4725-94F0-F2B6BD747A82}"/>
+                <a16:creationId xmlns:a16="http://schemas.microsoft.com/office/drawing/2014/main" xmlns="" id="{11E867DF-3DCA-4725-94F0-F2B6BD747A82}"/>
               </a:ext>
             </a:extLst>
           </p:cNvPr>
@@ -4219,7 +4219,6 @@
               <a:rPr lang="en-US" sz="1400" dirty="0"/>
               <a:t>On entering the ionosphere and subsequently the mesosphere, the concentric tube will be given a potential difference with respect to so as to act as a minimum straight particle accelerator to shift to ion propulsion system. </a:t>
             </a:r>
-            <a:endParaRPr lang="en-US" sz="1400" dirty="0"/>
           </a:p>
           <a:p>
             <a:pPr marL="3749040" indent="-457200" algn="just">
@@ -4421,23 +4420,7 @@
                   <a:srgbClr val="9147FF"/>
                 </a:solidFill>
               </a:rPr>
-              <a:t>Depending upon the number of payloads to be sent into orbit, the length of the rocket can be designed. The payload deployment will occur in steps whose data can be sent to monitor the deployment  of the next payload into a suitable perigee radius</a:t>
-            </a:r>
-            <a:r>
-              <a:rPr lang="en-US" sz="1300" dirty="0">
-                <a:solidFill>
-                  <a:srgbClr val="9147FF"/>
-                </a:solidFill>
-              </a:rPr>
-              <a:t>. </a:t>
-            </a:r>
-            <a:r>
-              <a:rPr lang="en-US" sz="1300" dirty="0">
-                <a:solidFill>
-                  <a:srgbClr val="9147FF"/>
-                </a:solidFill>
-              </a:rPr>
-              <a:t>Apart from the normal use of SRBs, ion propulsion coupled with the air breathing engine is utilized in the contrast to the conventional approach to SRBs. The eccentric cylinder arrangement helps in creating a vacuum in the rocket’s path in order to minimize the air/atmospheric resistance. </a:t>
+              <a:t>Depending upon the number of payloads to be sent into orbit, the length of the rocket can be designed. The payload deployment will occur in steps whose data can be sent to monitor the deployment  of the next payload into a suitable perigee radius. Apart from the normal use of SRBs, ion propulsion coupled with the air breathing engine is utilized in the contrast to the conventional approach to SRBs. The eccentric cylinder arrangement helps in creating a vacuum in the rocket’s path in order to minimize the air/atmospheric resistance. </a:t>
             </a:r>
           </a:p>
           <a:p>
@@ -4570,13 +4553,8 @@
           <a:p>
             <a:r>
               <a:rPr lang="en-US" sz="2800" dirty="0"/>
-              <a:t>Feedback Control General </a:t>
-            </a:r>
-            <a:r>
-              <a:rPr lang="en-US" sz="2800" dirty="0"/>
-              <a:t>Outline and Sensors Actuating</a:t>
-            </a:r>
-            <a:endParaRPr lang="en-US" sz="2800" dirty="0"/>
+              <a:t>Feedback Control General Outline and Sensors Actuating</a:t>
+            </a:r>
           </a:p>
         </p:txBody>
       </p:sp>
@@ -4610,21 +4588,7 @@
                 <a:ea typeface="+mn-lt"/>
                 <a:cs typeface="+mn-lt"/>
               </a:rPr>
-              <a:t>proximity </a:t>
-            </a:r>
-            <a:r>
-              <a:rPr lang="en-US" sz="1400" dirty="0">
-                <a:ea typeface="+mn-lt"/>
-                <a:cs typeface="+mn-lt"/>
-              </a:rPr>
-              <a:t>sensors according to the feedback to maintain the proximity, critical distance and track via feedback control </a:t>
-            </a:r>
-            <a:r>
-              <a:rPr lang="en-US" sz="1400" dirty="0">
-                <a:ea typeface="+mn-lt"/>
-                <a:cs typeface="+mn-lt"/>
-              </a:rPr>
-              <a:t>method.</a:t>
+              <a:t>proximity sensors according to the feedback to maintain the proximity, critical distance and track via feedback control method.</a:t>
             </a:r>
             <a:endParaRPr lang="en-US" sz="1400" dirty="0"/>
           </a:p>
@@ -4714,37 +4678,7 @@
                 <a:ea typeface="+mn-lt"/>
                 <a:cs typeface="+mn-lt"/>
               </a:rPr>
-              <a:t>The sensors from the rocket 1 (R1) will calculate and relay the data like distance, altitude etc. as an output signal to the trailing rocket (R2) , which will follow the output signal from </a:t>
-            </a:r>
-            <a:r>
-              <a:rPr lang="en-US" sz="1300" dirty="0">
-                <a:solidFill>
-                  <a:srgbClr val="9147FF"/>
-                </a:solidFill>
-                <a:ea typeface="+mn-lt"/>
-                <a:cs typeface="+mn-lt"/>
-              </a:rPr>
-              <a:t>R1, </a:t>
-            </a:r>
-            <a:r>
-              <a:rPr lang="en-US" sz="1300" dirty="0">
-                <a:solidFill>
-                  <a:srgbClr val="9147FF"/>
-                </a:solidFill>
-                <a:ea typeface="+mn-lt"/>
-                <a:cs typeface="+mn-lt"/>
-              </a:rPr>
-              <a:t>which becomes the input signal for R2, and actuate the sensors </a:t>
-            </a:r>
-            <a:r>
-              <a:rPr lang="en-US" sz="1300" dirty="0">
-                <a:solidFill>
-                  <a:srgbClr val="9147FF"/>
-                </a:solidFill>
-                <a:ea typeface="+mn-lt"/>
-                <a:cs typeface="+mn-lt"/>
-              </a:rPr>
-              <a:t>like</a:t>
+              <a:t>The sensors from the rocket 1 (R1) will calculate and relay the data like distance, altitude etc. as an output signal to the trailing rocket (R2) , which will follow the output signal from R1, which becomes the input signal for R2, and actuate the sensors like</a:t>
             </a:r>
             <a:endParaRPr lang="en-US" sz="1300" dirty="0">
               <a:solidFill>
@@ -4970,11 +4904,7 @@
           <a:p>
             <a:r>
               <a:rPr lang="en-US" dirty="0" smtClean="0"/>
-              <a:t>Control loop </a:t>
-            </a:r>
-            <a:r>
-              <a:rPr lang="en-US" dirty="0" smtClean="0"/>
-              <a:t>process and PID Feedback</a:t>
+              <a:t>Control loop process and PID Feedback</a:t>
             </a:r>
             <a:endParaRPr lang="en-US" dirty="0"/>
           </a:p>
@@ -5013,19 +4943,7 @@
             </a:r>
             <a:r>
               <a:rPr lang="en-US" sz="1300" dirty="0"/>
-              <a:t>is a process management system designed to maintain a process variable at a desired set point. </a:t>
-            </a:r>
-            <a:r>
-              <a:rPr lang="en-US" sz="1300" dirty="0"/>
-              <a:t>Each step </a:t>
-            </a:r>
-            <a:r>
-              <a:rPr lang="en-US" sz="1300" dirty="0"/>
-              <a:t>in the loop works in conjunction with the others to manage the system. Once the set point has been established, the control loop operates using a four-step </a:t>
-            </a:r>
-            <a:r>
-              <a:rPr lang="en-US" sz="1300" dirty="0"/>
-              <a:t>process.</a:t>
+              <a:t>is a process management system designed to maintain a process variable at a desired set point. Each step in the loop works in conjunction with the others to manage the system. Once the set point has been established, the control loop operates using a four-step process.</a:t>
             </a:r>
           </a:p>
           <a:p>
@@ -5443,15 +5361,7 @@
                   <a:srgbClr val="9147FF"/>
                 </a:solidFill>
               </a:rPr>
-              <a:t>Engines</a:t>
-            </a:r>
-            <a:r>
-              <a:rPr lang="en-US" sz="1300" b="1" dirty="0">
-                <a:solidFill>
-                  <a:srgbClr val="9147FF"/>
-                </a:solidFill>
-              </a:rPr>
-              <a:t>)-</a:t>
+              <a:t>Engines)-</a:t>
             </a:r>
           </a:p>
           <a:p>
@@ -5776,15 +5686,7 @@
                   <a:srgbClr val="9147FF"/>
                 </a:solidFill>
               </a:rPr>
-              <a:t>(V/m</a:t>
-            </a:r>
-            <a:r>
-              <a:rPr lang="en-US" sz="1300" dirty="0">
-                <a:solidFill>
-                  <a:srgbClr val="9147FF"/>
-                </a:solidFill>
-              </a:rPr>
-              <a:t>).</a:t>
+              <a:t>(V/m).</a:t>
             </a:r>
           </a:p>
           <a:p>
@@ -6068,7 +5970,7 @@
         </p:spPr>
         <p:txBody>
           <a:bodyPr>
-            <a:normAutofit lnSpcReduction="10000"/>
+            <a:normAutofit fontScale="92500" lnSpcReduction="10000"/>
           </a:bodyPr>
           <a:lstStyle/>
           <a:p>
@@ -6144,16 +6046,22 @@
               <a:buAutoNum type="arabicParenR"/>
             </a:pPr>
             <a:r>
-              <a:rPr lang="en-US" sz="1300" dirty="0">
-                <a:hlinkClick r:id="rId3"/>
-              </a:rPr>
-              <a:t>https://descanso.jpl.nasa.gov/SciTechBook/series1/Goebel__</a:t>
+              <a:rPr lang="en-US" sz="1300" dirty="0"/>
+              <a:t>  Fundamentals of Electric Propulsion: Ion and Hall Thrusters by Dan M. Goebel and Ira </a:t>
+            </a:r>
+            <a:r>
+              <a:rPr lang="en-US" sz="1300" dirty="0" err="1"/>
+              <a:t>Katz,Jet</a:t>
+            </a:r>
+            <a:r>
+              <a:rPr lang="en-US" sz="1300" dirty="0"/>
+              <a:t> Propulsion Laboratory, California Institute of Technology </a:t>
             </a:r>
             <a:r>
               <a:rPr lang="en-US" sz="1300" dirty="0" smtClean="0">
                 <a:hlinkClick r:id="rId3"/>
               </a:rPr>
-              <a:t>cmprsd_opt.pdf</a:t>
+              <a:t> https://descanso.jpl.nasa.gov/SciTechBook/series1/Goebel__cmprsd_opt.pdf</a:t>
             </a:r>
             <a:endParaRPr lang="en-US" sz="1300" dirty="0" smtClean="0"/>
           </a:p>
@@ -6163,16 +6071,10 @@
               <a:buAutoNum type="arabicParenR"/>
             </a:pPr>
             <a:r>
-              <a:rPr lang="en-US" sz="1300" dirty="0">
-                <a:hlinkClick r:id="rId4"/>
-              </a:rPr>
-              <a:t>https://</a:t>
-            </a:r>
-            <a:r>
               <a:rPr lang="en-US" sz="1300" dirty="0" smtClean="0">
                 <a:hlinkClick r:id="rId4"/>
               </a:rPr>
-              <a:t>cds.cern.ch/record/1100534/files/p73.pdf</a:t>
+              <a:t>https://cds.cern.ch/record/1100534/files/p73.pdf</a:t>
             </a:r>
             <a:endParaRPr lang="en-US" sz="1300" dirty="0" smtClean="0"/>
           </a:p>
@@ -6182,10 +6084,16 @@
               <a:buAutoNum type="arabicParenR"/>
             </a:pPr>
             <a:r>
+              <a:rPr lang="en-US" sz="1300" dirty="0" smtClean="0">
+                <a:hlinkClick r:id="rId5"/>
+              </a:rPr>
+              <a:t>https</a:t>
+            </a:r>
+            <a:r>
               <a:rPr lang="en-US" sz="1300" dirty="0">
                 <a:hlinkClick r:id="rId5"/>
               </a:rPr>
-              <a:t>https://</a:t>
+              <a:t>://</a:t>
             </a:r>
             <a:r>
               <a:rPr lang="en-US" sz="1300" dirty="0" smtClean="0">

--- a/Future Floating mission slides.pptx
+++ b/Future Floating mission slides.pptx
@@ -491,6 +491,90 @@
 </p:notesMaster>
 </file>
 
+<file path=ppt/notesSlides/notesSlide1.xml><?xml version="1.0" encoding="utf-8"?>
+<p:notes xmlns:a="http://schemas.openxmlformats.org/drawingml/2006/main" xmlns:r="http://schemas.openxmlformats.org/officeDocument/2006/relationships" xmlns:p="http://schemas.openxmlformats.org/presentationml/2006/main">
+  <p:cSld>
+    <p:spTree>
+      <p:nvGrpSpPr>
+        <p:cNvPr id="1" name=""/>
+        <p:cNvGrpSpPr/>
+        <p:nvPr/>
+      </p:nvGrpSpPr>
+      <p:grpSpPr>
+        <a:xfrm>
+          <a:off x="0" y="0"/>
+          <a:ext cx="0" cy="0"/>
+          <a:chOff x="0" y="0"/>
+          <a:chExt cx="0" cy="0"/>
+        </a:xfrm>
+      </p:grpSpPr>
+      <p:sp>
+        <p:nvSpPr>
+          <p:cNvPr id="2" name="Slide Image Placeholder 1"/>
+          <p:cNvSpPr>
+            <a:spLocks noGrp="1" noRot="1" noChangeAspect="1"/>
+          </p:cNvSpPr>
+          <p:nvPr>
+            <p:ph type="sldImg"/>
+          </p:nvPr>
+        </p:nvSpPr>
+        <p:spPr/>
+      </p:sp>
+      <p:sp>
+        <p:nvSpPr>
+          <p:cNvPr id="3" name="Notes Placeholder 2"/>
+          <p:cNvSpPr>
+            <a:spLocks noGrp="1"/>
+          </p:cNvSpPr>
+          <p:nvPr>
+            <p:ph type="body" idx="1"/>
+          </p:nvPr>
+        </p:nvSpPr>
+        <p:spPr/>
+        <p:txBody>
+          <a:bodyPr/>
+          <a:lstStyle/>
+          <a:p>
+            <a:endParaRPr lang="en-US"/>
+          </a:p>
+        </p:txBody>
+      </p:sp>
+      <p:sp>
+        <p:nvSpPr>
+          <p:cNvPr id="4" name="Slide Number Placeholder 3"/>
+          <p:cNvSpPr>
+            <a:spLocks noGrp="1"/>
+          </p:cNvSpPr>
+          <p:nvPr>
+            <p:ph type="sldNum" sz="quarter" idx="10"/>
+          </p:nvPr>
+        </p:nvSpPr>
+        <p:spPr/>
+        <p:txBody>
+          <a:bodyPr/>
+          <a:lstStyle/>
+          <a:p>
+            <a:fld id="{AF533E96-F078-4B3D-A8F4-F1AF21EBC357}" type="slidenum">
+              <a:rPr lang="en-US" smtClean="0"/>
+              <a:t>4</a:t>
+            </a:fld>
+            <a:endParaRPr lang="en-US"/>
+          </a:p>
+        </p:txBody>
+      </p:sp>
+    </p:spTree>
+    <p:extLst>
+      <p:ext uri="{BB962C8B-B14F-4D97-AF65-F5344CB8AC3E}">
+        <p14:creationId xmlns:p14="http://schemas.microsoft.com/office/powerpoint/2010/main" val="2114981606"/>
+      </p:ext>
+    </p:extLst>
+  </p:cSld>
+  <p:clrMapOvr>
+    <a:masterClrMapping/>
+  </p:clrMapOvr>
+</p:notes>
+</file>
+
 <file path=ppt/slideLayouts/slideLayout1.xml><?xml version="1.0" encoding="utf-8"?>
 <p:sldLayout xmlns:a="http://schemas.openxmlformats.org/drawingml/2006/main" xmlns:r="http://schemas.openxmlformats.org/officeDocument/2006/relationships" xmlns:p="http://schemas.openxmlformats.org/presentationml/2006/main" type="title" preserve="1">
   <p:cSld name="Title Slide">
@@ -1374,7 +1458,7 @@
           <p:cNvPr id="7" name="Picture 6" descr="E:\websites\free-power-point-templates\2012\logos.png">
             <a:extLst>
               <a:ext uri="{FF2B5EF4-FFF2-40B4-BE49-F238E27FC236}">
-                <a16:creationId xmlns:a16="http://schemas.microsoft.com/office/drawing/2014/main" xmlns="" id="{08B89D22-1D6E-450B-881F-4D2A4C527F72}"/>
+                <a16:creationId xmlns="" xmlns:a16="http://schemas.microsoft.com/office/drawing/2014/main" id="{08B89D22-1D6E-450B-881F-4D2A4C527F72}"/>
               </a:ext>
             </a:extLst>
           </p:cNvPr>
@@ -3675,7 +3759,7 @@
           <p:cNvPr id="7" name="TextBox 6">
             <a:extLst>
               <a:ext uri="{FF2B5EF4-FFF2-40B4-BE49-F238E27FC236}">
-                <a16:creationId xmlns:a16="http://schemas.microsoft.com/office/drawing/2014/main" xmlns="" id="{11E867DF-3DCA-4725-94F0-F2B6BD747A82}"/>
+                <a16:creationId xmlns="" xmlns:a16="http://schemas.microsoft.com/office/drawing/2014/main" id="{11E867DF-3DCA-4725-94F0-F2B6BD747A82}"/>
               </a:ext>
             </a:extLst>
           </p:cNvPr>
@@ -4626,7 +4710,7 @@
           <p:nvPr/>
         </p:nvPicPr>
         <p:blipFill>
-          <a:blip r:embed="rId2" cstate="print">
+          <a:blip r:embed="rId3" cstate="print">
             <a:extLst>
               <a:ext uri="{28A0092B-C50C-407E-A947-70E740481C1C}">
                 <a14:useLocalDpi xmlns:a14="http://schemas.microsoft.com/office/drawing/2010/main" val="0"/>
@@ -4825,20 +4909,20 @@
           <p:nvPr/>
         </p:nvPicPr>
         <p:blipFill rotWithShape="1">
-          <a:blip r:embed="rId3" cstate="print">
+          <a:blip r:embed="rId4" cstate="print">
             <a:extLst>
               <a:ext uri="{28A0092B-C50C-407E-A947-70E740481C1C}">
                 <a14:useLocalDpi xmlns:a14="http://schemas.microsoft.com/office/drawing/2010/main" val="0"/>
               </a:ext>
             </a:extLst>
           </a:blip>
-          <a:srcRect l="16996" r="4261" b="2819"/>
+          <a:srcRect l="6094" r="3480" b="4748"/>
           <a:stretch/>
         </p:blipFill>
         <p:spPr>
           <a:xfrm>
-            <a:off x="208213" y="1782858"/>
-            <a:ext cx="1857624" cy="3244787"/>
+            <a:off x="92074" y="1860915"/>
+            <a:ext cx="1985165" cy="2959638"/>
           </a:xfrm>
           <a:prstGeom prst="rect">
             <a:avLst/>
